--- a/content/post/20220727/Banner.pptx
+++ b/content/post/20220727/Banner.pptx
@@ -3406,7 +3406,7 @@
         </p:blipFill>
         <p:spPr>
           <a:xfrm>
-            <a:off x="4991492" y="4072519"/>
+            <a:off x="5023022" y="4083029"/>
             <a:ext cx="406906" cy="354929"/>
           </a:xfrm>
           <a:prstGeom prst="rect">
@@ -3448,8 +3448,9 @@
                 <a:solidFill>
                   <a:schemeClr val="bg1"/>
                 </a:solidFill>
-                <a:latin typeface="Roboto" panose="02000000000000000000" pitchFamily="2" charset="0"/>
-                <a:ea typeface="Roboto" panose="02000000000000000000" pitchFamily="2" charset="0"/>
+                <a:latin typeface="Urbanist" pitchFamily="2" charset="77"/>
+                <a:ea typeface="Urbanist" pitchFamily="2" charset="77"/>
+                <a:cs typeface="Urbanist" pitchFamily="2" charset="77"/>
               </a:rPr>
               <a:t>UC Santa Cruz   Open Source Symposium</a:t>
             </a:r>
@@ -3460,8 +3461,9 @@
               <a:solidFill>
                 <a:schemeClr val="bg1"/>
               </a:solidFill>
-              <a:latin typeface="Roboto" panose="02000000000000000000" pitchFamily="2" charset="0"/>
-              <a:ea typeface="Roboto" panose="02000000000000000000" pitchFamily="2" charset="0"/>
+              <a:latin typeface="Urbanist" pitchFamily="2" charset="77"/>
+              <a:ea typeface="Urbanist" pitchFamily="2" charset="77"/>
+              <a:cs typeface="Urbanist" pitchFamily="2" charset="77"/>
             </a:endParaRPr>
           </a:p>
           <a:p>
@@ -3471,8 +3473,9 @@
                 <a:solidFill>
                   <a:schemeClr val="bg1"/>
                 </a:solidFill>
-                <a:latin typeface="Roboto" panose="02000000000000000000" pitchFamily="2" charset="0"/>
-                <a:ea typeface="Roboto" panose="02000000000000000000" pitchFamily="2" charset="0"/>
+                <a:latin typeface="Urbanist" pitchFamily="2" charset="77"/>
+                <a:ea typeface="Urbanist" pitchFamily="2" charset="77"/>
+                <a:cs typeface="Urbanist" pitchFamily="2" charset="77"/>
               </a:rPr>
               <a:t>September 27-29 @ UC Santa Cruz</a:t>
             </a:r>
